--- a/Stats Course Week 4.pptx
+++ b/Stats Course Week 4.pptx
@@ -18,7 +18,7 @@
     <p:sldId id="327" r:id="rId12"/>
     <p:sldId id="324" r:id="rId13"/>
     <p:sldId id="322" r:id="rId14"/>
-    <p:sldId id="328" r:id="rId15"/>
+    <p:sldId id="330" r:id="rId15"/>
   </p:sldIdLst>
   <p:sldSz cx="12192000" cy="6858000"/>
   <p:notesSz cx="6858000" cy="9144000"/>
@@ -272,7 +272,7 @@
           <a:p>
             <a:fld id="{A5AB515C-D570-4DC1-AC33-A1C6FAAF56DB}" type="datetimeFigureOut">
               <a:rPr lang="en-US" smtClean="0"/>
-              <a:t>10/23/2021</a:t>
+              <a:t>10/24/2021</a:t>
             </a:fld>
             <a:endParaRPr lang="en-US"/>
           </a:p>
@@ -470,7 +470,7 @@
           <a:p>
             <a:fld id="{A5AB515C-D570-4DC1-AC33-A1C6FAAF56DB}" type="datetimeFigureOut">
               <a:rPr lang="en-US" smtClean="0"/>
-              <a:t>10/23/2021</a:t>
+              <a:t>10/24/2021</a:t>
             </a:fld>
             <a:endParaRPr lang="en-US"/>
           </a:p>
@@ -678,7 +678,7 @@
           <a:p>
             <a:fld id="{A5AB515C-D570-4DC1-AC33-A1C6FAAF56DB}" type="datetimeFigureOut">
               <a:rPr lang="en-US" smtClean="0"/>
-              <a:t>10/23/2021</a:t>
+              <a:t>10/24/2021</a:t>
             </a:fld>
             <a:endParaRPr lang="en-US"/>
           </a:p>
@@ -876,7 +876,7 @@
           <a:p>
             <a:fld id="{A5AB515C-D570-4DC1-AC33-A1C6FAAF56DB}" type="datetimeFigureOut">
               <a:rPr lang="en-US" smtClean="0"/>
-              <a:t>10/23/2021</a:t>
+              <a:t>10/24/2021</a:t>
             </a:fld>
             <a:endParaRPr lang="en-US"/>
           </a:p>
@@ -1151,7 +1151,7 @@
           <a:p>
             <a:fld id="{A5AB515C-D570-4DC1-AC33-A1C6FAAF56DB}" type="datetimeFigureOut">
               <a:rPr lang="en-US" smtClean="0"/>
-              <a:t>10/23/2021</a:t>
+              <a:t>10/24/2021</a:t>
             </a:fld>
             <a:endParaRPr lang="en-US"/>
           </a:p>
@@ -1416,7 +1416,7 @@
           <a:p>
             <a:fld id="{A5AB515C-D570-4DC1-AC33-A1C6FAAF56DB}" type="datetimeFigureOut">
               <a:rPr lang="en-US" smtClean="0"/>
-              <a:t>10/23/2021</a:t>
+              <a:t>10/24/2021</a:t>
             </a:fld>
             <a:endParaRPr lang="en-US"/>
           </a:p>
@@ -1828,7 +1828,7 @@
           <a:p>
             <a:fld id="{A5AB515C-D570-4DC1-AC33-A1C6FAAF56DB}" type="datetimeFigureOut">
               <a:rPr lang="en-US" smtClean="0"/>
-              <a:t>10/23/2021</a:t>
+              <a:t>10/24/2021</a:t>
             </a:fld>
             <a:endParaRPr lang="en-US"/>
           </a:p>
@@ -1969,7 +1969,7 @@
           <a:p>
             <a:fld id="{A5AB515C-D570-4DC1-AC33-A1C6FAAF56DB}" type="datetimeFigureOut">
               <a:rPr lang="en-US" smtClean="0"/>
-              <a:t>10/23/2021</a:t>
+              <a:t>10/24/2021</a:t>
             </a:fld>
             <a:endParaRPr lang="en-US"/>
           </a:p>
@@ -2082,7 +2082,7 @@
           <a:p>
             <a:fld id="{A5AB515C-D570-4DC1-AC33-A1C6FAAF56DB}" type="datetimeFigureOut">
               <a:rPr lang="en-US" smtClean="0"/>
-              <a:t>10/23/2021</a:t>
+              <a:t>10/24/2021</a:t>
             </a:fld>
             <a:endParaRPr lang="en-US"/>
           </a:p>
@@ -2393,7 +2393,7 @@
           <a:p>
             <a:fld id="{A5AB515C-D570-4DC1-AC33-A1C6FAAF56DB}" type="datetimeFigureOut">
               <a:rPr lang="en-US" smtClean="0"/>
-              <a:t>10/23/2021</a:t>
+              <a:t>10/24/2021</a:t>
             </a:fld>
             <a:endParaRPr lang="en-US"/>
           </a:p>
@@ -2681,7 +2681,7 @@
           <a:p>
             <a:fld id="{A5AB515C-D570-4DC1-AC33-A1C6FAAF56DB}" type="datetimeFigureOut">
               <a:rPr lang="en-US" smtClean="0"/>
-              <a:t>10/23/2021</a:t>
+              <a:t>10/24/2021</a:t>
             </a:fld>
             <a:endParaRPr lang="en-US"/>
           </a:p>
@@ -2922,7 +2922,7 @@
           <a:p>
             <a:fld id="{A5AB515C-D570-4DC1-AC33-A1C6FAAF56DB}" type="datetimeFigureOut">
               <a:rPr lang="en-US" smtClean="0"/>
-              <a:t>10/23/2021</a:t>
+              <a:t>10/24/2021</a:t>
             </a:fld>
             <a:endParaRPr lang="en-US"/>
           </a:p>
@@ -5248,7 +5248,7 @@
           <p:cNvPr id="2" name="Title 1">
             <a:extLst>
               <a:ext uri="{FF2B5EF4-FFF2-40B4-BE49-F238E27FC236}">
-                <a16:creationId xmlns:a16="http://schemas.microsoft.com/office/drawing/2014/main" id="{DC3E0502-6A90-418E-A2A1-BBE44EE5624F}"/>
+                <a16:creationId xmlns:a16="http://schemas.microsoft.com/office/drawing/2014/main" id="{55AF5FD4-1ABD-41AD-8BDD-667A145D5CFF}"/>
               </a:ext>
             </a:extLst>
           </p:cNvPr>
@@ -5273,31 +5273,51 @@
       </p:sp>
       <p:pic>
         <p:nvPicPr>
-          <p:cNvPr id="5" name="Content Placeholder 4">
-            <a:extLst>
-              <a:ext uri="{FF2B5EF4-FFF2-40B4-BE49-F238E27FC236}">
-                <a16:creationId xmlns:a16="http://schemas.microsoft.com/office/drawing/2014/main" id="{CEE29C1A-2A89-48E9-BE68-E6ED0186AA86}"/>
+          <p:cNvPr id="1026" name="Picture 2">
+            <a:extLst>
+              <a:ext uri="{FF2B5EF4-FFF2-40B4-BE49-F238E27FC236}">
+                <a16:creationId xmlns:a16="http://schemas.microsoft.com/office/drawing/2014/main" id="{738C6DC9-0658-47F1-99B3-A2AE15896859}"/>
               </a:ext>
             </a:extLst>
           </p:cNvPr>
           <p:cNvPicPr>
-            <a:picLocks noGrp="1" noChangeAspect="1"/>
+            <a:picLocks noGrp="1" noChangeAspect="1" noChangeArrowheads="1"/>
           </p:cNvPicPr>
           <p:nvPr>
             <p:ph sz="half" idx="1"/>
           </p:nvPr>
         </p:nvPicPr>
         <p:blipFill>
-          <a:blip r:embed="rId2"/>
+          <a:blip r:embed="rId2">
+            <a:extLst>
+              <a:ext uri="{28A0092B-C50C-407E-A947-70E740481C1C}">
+                <a14:useLocalDpi xmlns:a14="http://schemas.microsoft.com/office/drawing/2010/main" val="0"/>
+              </a:ext>
+            </a:extLst>
+          </a:blip>
+          <a:srcRect/>
           <a:stretch>
             <a:fillRect/>
           </a:stretch>
         </p:blipFill>
-        <p:spPr>
-          <a:xfrm>
-            <a:off x="838200" y="3092479"/>
-            <a:ext cx="5181600" cy="1817629"/>
-          </a:xfrm>
+        <p:spPr bwMode="auto">
+          <a:xfrm>
+            <a:off x="710732" y="2574969"/>
+            <a:ext cx="5181600" cy="3454399"/>
+          </a:xfrm>
+          <a:prstGeom prst="rect">
+            <a:avLst/>
+          </a:prstGeom>
+          <a:noFill/>
+          <a:extLst>
+            <a:ext uri="{909E8E84-426E-40DD-AFC4-6F175D3DCCD1}">
+              <a14:hiddenFill xmlns:a14="http://schemas.microsoft.com/office/drawing/2010/main">
+                <a:solidFill>
+                  <a:srgbClr val="FFFFFF"/>
+                </a:solidFill>
+              </a14:hiddenFill>
+            </a:ext>
+          </a:extLst>
         </p:spPr>
       </p:pic>
       <p:pic>
@@ -5305,7 +5325,7 @@
           <p:cNvPr id="6" name="Content Placeholder 4">
             <a:extLst>
               <a:ext uri="{FF2B5EF4-FFF2-40B4-BE49-F238E27FC236}">
-                <a16:creationId xmlns:a16="http://schemas.microsoft.com/office/drawing/2014/main" id="{F15C9D5D-C94C-4948-9C6C-D8DB310B3B72}"/>
+                <a16:creationId xmlns:a16="http://schemas.microsoft.com/office/drawing/2014/main" id="{CB2C687F-ED1C-4BEA-9D68-50E270A66419}"/>
               </a:ext>
             </a:extLst>
           </p:cNvPr>
@@ -5324,17 +5344,412 @@
         </p:blipFill>
         <p:spPr>
           <a:xfrm>
-            <a:off x="6657975" y="3086894"/>
-            <a:ext cx="4210050" cy="1828800"/>
+            <a:off x="6172200" y="1690688"/>
+            <a:ext cx="5181600" cy="1817629"/>
           </a:xfrm>
         </p:spPr>
       </p:pic>
+      <p:sp>
+        <p:nvSpPr>
+          <p:cNvPr id="7" name="Rectangle: Rounded Corners 6">
+            <a:extLst>
+              <a:ext uri="{FF2B5EF4-FFF2-40B4-BE49-F238E27FC236}">
+                <a16:creationId xmlns:a16="http://schemas.microsoft.com/office/drawing/2014/main" id="{A7AE0636-11A8-44C0-9B81-4E2C5CC742EE}"/>
+              </a:ext>
+            </a:extLst>
+          </p:cNvPr>
+          <p:cNvSpPr/>
+          <p:nvPr/>
+        </p:nvSpPr>
+        <p:spPr>
+          <a:xfrm>
+            <a:off x="8681556" y="2299674"/>
+            <a:ext cx="929779" cy="201336"/>
+          </a:xfrm>
+          <a:prstGeom prst="roundRect">
+            <a:avLst/>
+          </a:prstGeom>
+          <a:noFill/>
+          <a:ln>
+            <a:solidFill>
+              <a:srgbClr val="FF0000"/>
+            </a:solidFill>
+          </a:ln>
+        </p:spPr>
+        <p:style>
+          <a:lnRef idx="2">
+            <a:schemeClr val="accent1">
+              <a:shade val="50000"/>
+            </a:schemeClr>
+          </a:lnRef>
+          <a:fillRef idx="1">
+            <a:schemeClr val="accent1"/>
+          </a:fillRef>
+          <a:effectRef idx="0">
+            <a:schemeClr val="accent1"/>
+          </a:effectRef>
+          <a:fontRef idx="minor">
+            <a:schemeClr val="lt1"/>
+          </a:fontRef>
+        </p:style>
+        <p:txBody>
+          <a:bodyPr rtlCol="0" anchor="ctr"/>
+          <a:lstStyle/>
+          <a:p>
+            <a:pPr algn="ctr"/>
+            <a:endParaRPr lang="en-US"/>
+          </a:p>
+        </p:txBody>
+      </p:sp>
+      <p:sp>
+        <p:nvSpPr>
+          <p:cNvPr id="8" name="Rectangle: Rounded Corners 7">
+            <a:extLst>
+              <a:ext uri="{FF2B5EF4-FFF2-40B4-BE49-F238E27FC236}">
+                <a16:creationId xmlns:a16="http://schemas.microsoft.com/office/drawing/2014/main" id="{F33D1F36-D65E-4190-BB04-BCE8E838463C}"/>
+              </a:ext>
+            </a:extLst>
+          </p:cNvPr>
+          <p:cNvSpPr/>
+          <p:nvPr/>
+        </p:nvSpPr>
+        <p:spPr>
+          <a:xfrm>
+            <a:off x="6980689" y="2233653"/>
+            <a:ext cx="538293" cy="201336"/>
+          </a:xfrm>
+          <a:prstGeom prst="roundRect">
+            <a:avLst/>
+          </a:prstGeom>
+          <a:noFill/>
+          <a:ln>
+            <a:solidFill>
+              <a:srgbClr val="FF0000"/>
+            </a:solidFill>
+          </a:ln>
+        </p:spPr>
+        <p:style>
+          <a:lnRef idx="2">
+            <a:schemeClr val="accent1">
+              <a:shade val="50000"/>
+            </a:schemeClr>
+          </a:lnRef>
+          <a:fillRef idx="1">
+            <a:schemeClr val="accent1"/>
+          </a:fillRef>
+          <a:effectRef idx="0">
+            <a:schemeClr val="accent1"/>
+          </a:effectRef>
+          <a:fontRef idx="minor">
+            <a:schemeClr val="lt1"/>
+          </a:fontRef>
+        </p:style>
+        <p:txBody>
+          <a:bodyPr rtlCol="0" anchor="ctr"/>
+          <a:lstStyle/>
+          <a:p>
+            <a:pPr algn="ctr"/>
+            <a:endParaRPr lang="en-US"/>
+          </a:p>
+        </p:txBody>
+      </p:sp>
+      <p:sp>
+        <p:nvSpPr>
+          <p:cNvPr id="9" name="Rectangle: Rounded Corners 8">
+            <a:extLst>
+              <a:ext uri="{FF2B5EF4-FFF2-40B4-BE49-F238E27FC236}">
+                <a16:creationId xmlns:a16="http://schemas.microsoft.com/office/drawing/2014/main" id="{C93831D7-4FAA-408B-A248-085863189CD9}"/>
+              </a:ext>
+            </a:extLst>
+          </p:cNvPr>
+          <p:cNvSpPr/>
+          <p:nvPr/>
+        </p:nvSpPr>
+        <p:spPr>
+          <a:xfrm>
+            <a:off x="6172200" y="2596805"/>
+            <a:ext cx="2252793" cy="375261"/>
+          </a:xfrm>
+          <a:prstGeom prst="roundRect">
+            <a:avLst/>
+          </a:prstGeom>
+          <a:noFill/>
+          <a:ln>
+            <a:solidFill>
+              <a:srgbClr val="FF0000"/>
+            </a:solidFill>
+          </a:ln>
+        </p:spPr>
+        <p:style>
+          <a:lnRef idx="2">
+            <a:schemeClr val="accent1">
+              <a:shade val="50000"/>
+            </a:schemeClr>
+          </a:lnRef>
+          <a:fillRef idx="1">
+            <a:schemeClr val="accent1"/>
+          </a:fillRef>
+          <a:effectRef idx="0">
+            <a:schemeClr val="accent1"/>
+          </a:effectRef>
+          <a:fontRef idx="minor">
+            <a:schemeClr val="lt1"/>
+          </a:fontRef>
+        </p:style>
+        <p:txBody>
+          <a:bodyPr rtlCol="0" anchor="ctr"/>
+          <a:lstStyle/>
+          <a:p>
+            <a:pPr algn="ctr"/>
+            <a:endParaRPr lang="en-US"/>
+          </a:p>
+        </p:txBody>
+      </p:sp>
+      <p:sp>
+        <p:nvSpPr>
+          <p:cNvPr id="10" name="TextBox 9">
+            <a:extLst>
+              <a:ext uri="{FF2B5EF4-FFF2-40B4-BE49-F238E27FC236}">
+                <a16:creationId xmlns:a16="http://schemas.microsoft.com/office/drawing/2014/main" id="{1B30017C-229F-44F4-994E-8D7D94965574}"/>
+              </a:ext>
+            </a:extLst>
+          </p:cNvPr>
+          <p:cNvSpPr txBox="1"/>
+          <p:nvPr/>
+        </p:nvSpPr>
+        <p:spPr>
+          <a:xfrm>
+            <a:off x="8800400" y="2628362"/>
+            <a:ext cx="2252793" cy="646331"/>
+          </a:xfrm>
+          <a:prstGeom prst="rect">
+            <a:avLst/>
+          </a:prstGeom>
+          <a:noFill/>
+        </p:spPr>
+        <p:txBody>
+          <a:bodyPr wrap="square" rtlCol="0">
+            <a:spAutoFit/>
+          </a:bodyPr>
+          <a:lstStyle/>
+          <a:p>
+            <a:r>
+              <a:rPr lang="en-US" dirty="0">
+                <a:highlight>
+                  <a:srgbClr val="FFFF00"/>
+                </a:highlight>
+              </a:rPr>
+              <a:t>The 95% CI doesn’t contain 0</a:t>
+            </a:r>
+          </a:p>
+        </p:txBody>
+      </p:sp>
+      <p:cxnSp>
+        <p:nvCxnSpPr>
+          <p:cNvPr id="11" name="Straight Arrow Connector 10">
+            <a:extLst>
+              <a:ext uri="{FF2B5EF4-FFF2-40B4-BE49-F238E27FC236}">
+                <a16:creationId xmlns:a16="http://schemas.microsoft.com/office/drawing/2014/main" id="{736CE74C-A942-49D6-900F-5BE89DCCB419}"/>
+              </a:ext>
+            </a:extLst>
+          </p:cNvPr>
+          <p:cNvCxnSpPr>
+            <a:cxnSpLocks/>
+            <a:stCxn id="10" idx="1"/>
+          </p:cNvCxnSpPr>
+          <p:nvPr/>
+        </p:nvCxnSpPr>
+        <p:spPr>
+          <a:xfrm flipH="1" flipV="1">
+            <a:off x="8462394" y="2662828"/>
+            <a:ext cx="338006" cy="288700"/>
+          </a:xfrm>
+          <a:prstGeom prst="straightConnector1">
+            <a:avLst/>
+          </a:prstGeom>
+          <a:ln>
+            <a:tailEnd type="triangle"/>
+          </a:ln>
+        </p:spPr>
+        <p:style>
+          <a:lnRef idx="1">
+            <a:schemeClr val="accent1"/>
+          </a:lnRef>
+          <a:fillRef idx="0">
+            <a:schemeClr val="accent1"/>
+          </a:fillRef>
+          <a:effectRef idx="0">
+            <a:schemeClr val="accent1"/>
+          </a:effectRef>
+          <a:fontRef idx="minor">
+            <a:schemeClr val="tx1"/>
+          </a:fontRef>
+        </p:style>
+      </p:cxnSp>
+      <p:sp>
+        <p:nvSpPr>
+          <p:cNvPr id="12" name="TextBox 11">
+            <a:extLst>
+              <a:ext uri="{FF2B5EF4-FFF2-40B4-BE49-F238E27FC236}">
+                <a16:creationId xmlns:a16="http://schemas.microsoft.com/office/drawing/2014/main" id="{ACA6F1E7-7B3E-4F23-B1EB-5193BD988768}"/>
+              </a:ext>
+            </a:extLst>
+          </p:cNvPr>
+          <p:cNvSpPr txBox="1"/>
+          <p:nvPr/>
+        </p:nvSpPr>
+        <p:spPr>
+          <a:xfrm>
+            <a:off x="9796619" y="2065657"/>
+            <a:ext cx="1656342" cy="369332"/>
+          </a:xfrm>
+          <a:prstGeom prst="rect">
+            <a:avLst/>
+          </a:prstGeom>
+          <a:noFill/>
+        </p:spPr>
+        <p:txBody>
+          <a:bodyPr wrap="square" rtlCol="0">
+            <a:spAutoFit/>
+          </a:bodyPr>
+          <a:lstStyle/>
+          <a:p>
+            <a:r>
+              <a:rPr lang="en-US" dirty="0">
+                <a:highlight>
+                  <a:srgbClr val="FFFF00"/>
+                </a:highlight>
+              </a:rPr>
+              <a:t>Very significant</a:t>
+            </a:r>
+          </a:p>
+        </p:txBody>
+      </p:sp>
+      <p:cxnSp>
+        <p:nvCxnSpPr>
+          <p:cNvPr id="13" name="Straight Arrow Connector 12">
+            <a:extLst>
+              <a:ext uri="{FF2B5EF4-FFF2-40B4-BE49-F238E27FC236}">
+                <a16:creationId xmlns:a16="http://schemas.microsoft.com/office/drawing/2014/main" id="{9D7FC07D-ED3D-4367-AB85-2240D9FFD3C6}"/>
+              </a:ext>
+            </a:extLst>
+          </p:cNvPr>
+          <p:cNvCxnSpPr/>
+          <p:nvPr/>
+        </p:nvCxnSpPr>
+        <p:spPr>
+          <a:xfrm flipH="1">
+            <a:off x="9213558" y="2116910"/>
+            <a:ext cx="459538" cy="116743"/>
+          </a:xfrm>
+          <a:prstGeom prst="straightConnector1">
+            <a:avLst/>
+          </a:prstGeom>
+          <a:ln>
+            <a:tailEnd type="triangle"/>
+          </a:ln>
+        </p:spPr>
+        <p:style>
+          <a:lnRef idx="1">
+            <a:schemeClr val="accent1"/>
+          </a:lnRef>
+          <a:fillRef idx="0">
+            <a:schemeClr val="accent1"/>
+          </a:fillRef>
+          <a:effectRef idx="0">
+            <a:schemeClr val="accent1"/>
+          </a:effectRef>
+          <a:fontRef idx="minor">
+            <a:schemeClr val="tx1"/>
+          </a:fontRef>
+        </p:style>
+      </p:cxnSp>
+      <p:sp>
+        <p:nvSpPr>
+          <p:cNvPr id="14" name="TextBox 13">
+            <a:extLst>
+              <a:ext uri="{FF2B5EF4-FFF2-40B4-BE49-F238E27FC236}">
+                <a16:creationId xmlns:a16="http://schemas.microsoft.com/office/drawing/2014/main" id="{C4FEEB7F-C8D1-4DE5-9AFE-7CF8698E9456}"/>
+              </a:ext>
+            </a:extLst>
+          </p:cNvPr>
+          <p:cNvSpPr txBox="1"/>
+          <p:nvPr/>
+        </p:nvSpPr>
+        <p:spPr>
+          <a:xfrm>
+            <a:off x="6883520" y="1898799"/>
+            <a:ext cx="1361221" cy="369332"/>
+          </a:xfrm>
+          <a:prstGeom prst="rect">
+            <a:avLst/>
+          </a:prstGeom>
+          <a:noFill/>
+        </p:spPr>
+        <p:txBody>
+          <a:bodyPr wrap="square" rtlCol="0">
+            <a:spAutoFit/>
+          </a:bodyPr>
+          <a:lstStyle/>
+          <a:p>
+            <a:r>
+              <a:rPr lang="en-US" dirty="0">
+                <a:highlight>
+                  <a:srgbClr val="FFFF00"/>
+                </a:highlight>
+              </a:rPr>
+              <a:t>Test statistic</a:t>
+            </a:r>
+          </a:p>
+        </p:txBody>
+      </p:sp>
+      <p:sp>
+        <p:nvSpPr>
+          <p:cNvPr id="15" name="TextBox 14">
+            <a:extLst>
+              <a:ext uri="{FF2B5EF4-FFF2-40B4-BE49-F238E27FC236}">
+                <a16:creationId xmlns:a16="http://schemas.microsoft.com/office/drawing/2014/main" id="{46809BA1-EFDF-476D-A139-2B6C867481E5}"/>
+              </a:ext>
+            </a:extLst>
+          </p:cNvPr>
+          <p:cNvSpPr txBox="1"/>
+          <p:nvPr/>
+        </p:nvSpPr>
+        <p:spPr>
+          <a:xfrm>
+            <a:off x="6172200" y="3447303"/>
+            <a:ext cx="4613946" cy="646331"/>
+          </a:xfrm>
+          <a:prstGeom prst="rect">
+            <a:avLst/>
+          </a:prstGeom>
+          <a:noFill/>
+        </p:spPr>
+        <p:txBody>
+          <a:bodyPr wrap="square" rtlCol="0">
+            <a:spAutoFit/>
+          </a:bodyPr>
+          <a:lstStyle/>
+          <a:p>
+            <a:r>
+              <a:rPr lang="en-US" dirty="0"/>
+              <a:t>26% of non-smokers had lung cancer (n= 21).</a:t>
+            </a:r>
+          </a:p>
+          <a:p>
+            <a:r>
+              <a:rPr lang="en-US" dirty="0"/>
+              <a:t>51% of smokers had lung cancer (n= 588).</a:t>
+            </a:r>
+          </a:p>
+        </p:txBody>
+      </p:sp>
       <p:pic>
         <p:nvPicPr>
-          <p:cNvPr id="7" name="Picture 6">
-            <a:extLst>
-              <a:ext uri="{FF2B5EF4-FFF2-40B4-BE49-F238E27FC236}">
-                <a16:creationId xmlns:a16="http://schemas.microsoft.com/office/drawing/2014/main" id="{213163F9-422F-4CD0-AC84-3356B4B00B2C}"/>
+          <p:cNvPr id="16" name="Content Placeholder 4">
+            <a:extLst>
+              <a:ext uri="{FF2B5EF4-FFF2-40B4-BE49-F238E27FC236}">
+                <a16:creationId xmlns:a16="http://schemas.microsoft.com/office/drawing/2014/main" id="{74088677-5BFB-4B48-9F33-D89B3050567C}"/>
               </a:ext>
             </a:extLst>
           </p:cNvPr>
@@ -5351,8 +5766,8 @@
         </p:blipFill>
         <p:spPr>
           <a:xfrm>
-            <a:off x="9039225" y="3576243"/>
-            <a:ext cx="1828800" cy="923925"/>
+            <a:off x="6294188" y="4833880"/>
+            <a:ext cx="4210050" cy="1828800"/>
           </a:xfrm>
           <a:prstGeom prst="rect">
             <a:avLst/>
@@ -5361,10 +5776,10 @@
       </p:pic>
       <p:sp>
         <p:nvSpPr>
-          <p:cNvPr id="8" name="TextBox 7">
-            <a:extLst>
-              <a:ext uri="{FF2B5EF4-FFF2-40B4-BE49-F238E27FC236}">
-                <a16:creationId xmlns:a16="http://schemas.microsoft.com/office/drawing/2014/main" id="{A1445046-8C82-4196-9610-8CAF0A231533}"/>
+          <p:cNvPr id="17" name="TextBox 16">
+            <a:extLst>
+              <a:ext uri="{FF2B5EF4-FFF2-40B4-BE49-F238E27FC236}">
+                <a16:creationId xmlns:a16="http://schemas.microsoft.com/office/drawing/2014/main" id="{2D85217D-0914-47EE-BFA7-AFD08BDB9B3C}"/>
               </a:ext>
             </a:extLst>
           </p:cNvPr>
@@ -5373,8 +5788,8 @@
         </p:nvSpPr>
         <p:spPr>
           <a:xfrm>
-            <a:off x="2043069" y="2561330"/>
-            <a:ext cx="2771862" cy="369332"/>
+            <a:off x="7877830" y="4384205"/>
+            <a:ext cx="1607452" cy="369332"/>
           </a:xfrm>
           <a:prstGeom prst="rect">
             <a:avLst/>
@@ -5388,42 +5803,11 @@
           <a:lstStyle/>
           <a:p>
             <a:r>
-              <a:rPr lang="en-US" dirty="0"/>
-              <a:t>Binomial proportion test</a:t>
-            </a:r>
-          </a:p>
-        </p:txBody>
-      </p:sp>
-      <p:sp>
-        <p:nvSpPr>
-          <p:cNvPr id="9" name="TextBox 8">
-            <a:extLst>
-              <a:ext uri="{FF2B5EF4-FFF2-40B4-BE49-F238E27FC236}">
-                <a16:creationId xmlns:a16="http://schemas.microsoft.com/office/drawing/2014/main" id="{B627112D-6E5D-4E08-B8FF-1A142437255E}"/>
-              </a:ext>
-            </a:extLst>
-          </p:cNvPr>
-          <p:cNvSpPr txBox="1"/>
-          <p:nvPr/>
-        </p:nvSpPr>
-        <p:spPr>
-          <a:xfrm>
-            <a:off x="7808360" y="2555183"/>
-            <a:ext cx="1607452" cy="369332"/>
-          </a:xfrm>
-          <a:prstGeom prst="rect">
-            <a:avLst/>
-          </a:prstGeom>
-          <a:noFill/>
-        </p:spPr>
-        <p:txBody>
-          <a:bodyPr wrap="square" rtlCol="0">
-            <a:spAutoFit/>
-          </a:bodyPr>
-          <a:lstStyle/>
-          <a:p>
-            <a:r>
-              <a:rPr lang="en-US" dirty="0"/>
+              <a:rPr lang="en-US" dirty="0">
+                <a:highlight>
+                  <a:srgbClr val="00FFFF"/>
+                </a:highlight>
+              </a:rPr>
               <a:t>Power analysis</a:t>
             </a:r>
           </a:p>
@@ -5431,10 +5815,10 @@
       </p:sp>
       <p:sp>
         <p:nvSpPr>
-          <p:cNvPr id="10" name="Rectangle: Rounded Corners 9">
-            <a:extLst>
-              <a:ext uri="{FF2B5EF4-FFF2-40B4-BE49-F238E27FC236}">
-                <a16:creationId xmlns:a16="http://schemas.microsoft.com/office/drawing/2014/main" id="{D4634168-8961-494F-A614-5E1CB1C7DFEC}"/>
+          <p:cNvPr id="18" name="Rectangle: Rounded Corners 17">
+            <a:extLst>
+              <a:ext uri="{FF2B5EF4-FFF2-40B4-BE49-F238E27FC236}">
+                <a16:creationId xmlns:a16="http://schemas.microsoft.com/office/drawing/2014/main" id="{79F0DB23-20B2-4897-A11F-4F3B806C5F68}"/>
               </a:ext>
             </a:extLst>
           </p:cNvPr>
@@ -5443,7 +5827,7 @@
         </p:nvSpPr>
         <p:spPr>
           <a:xfrm>
-            <a:off x="3310156" y="3700636"/>
+            <a:off x="6980689" y="5897281"/>
             <a:ext cx="929779" cy="201336"/>
           </a:xfrm>
           <a:prstGeom prst="roundRect">
@@ -5483,114 +5867,10 @@
       </p:sp>
       <p:sp>
         <p:nvSpPr>
-          <p:cNvPr id="11" name="Rectangle: Rounded Corners 10">
-            <a:extLst>
-              <a:ext uri="{FF2B5EF4-FFF2-40B4-BE49-F238E27FC236}">
-                <a16:creationId xmlns:a16="http://schemas.microsoft.com/office/drawing/2014/main" id="{051767B0-8C1C-4639-A321-DFF761311A2B}"/>
-              </a:ext>
-            </a:extLst>
-          </p:cNvPr>
-          <p:cNvSpPr/>
-          <p:nvPr/>
-        </p:nvSpPr>
-        <p:spPr>
-          <a:xfrm>
-            <a:off x="1609289" y="3634615"/>
-            <a:ext cx="538293" cy="201336"/>
-          </a:xfrm>
-          <a:prstGeom prst="roundRect">
-            <a:avLst/>
-          </a:prstGeom>
-          <a:noFill/>
-          <a:ln>
-            <a:solidFill>
-              <a:srgbClr val="FF0000"/>
-            </a:solidFill>
-          </a:ln>
-        </p:spPr>
-        <p:style>
-          <a:lnRef idx="2">
-            <a:schemeClr val="accent1">
-              <a:shade val="50000"/>
-            </a:schemeClr>
-          </a:lnRef>
-          <a:fillRef idx="1">
-            <a:schemeClr val="accent1"/>
-          </a:fillRef>
-          <a:effectRef idx="0">
-            <a:schemeClr val="accent1"/>
-          </a:effectRef>
-          <a:fontRef idx="minor">
-            <a:schemeClr val="lt1"/>
-          </a:fontRef>
-        </p:style>
-        <p:txBody>
-          <a:bodyPr rtlCol="0" anchor="ctr"/>
-          <a:lstStyle/>
-          <a:p>
-            <a:pPr algn="ctr"/>
-            <a:endParaRPr lang="en-US"/>
-          </a:p>
-        </p:txBody>
-      </p:sp>
-      <p:sp>
-        <p:nvSpPr>
-          <p:cNvPr id="12" name="Rectangle: Rounded Corners 11">
-            <a:extLst>
-              <a:ext uri="{FF2B5EF4-FFF2-40B4-BE49-F238E27FC236}">
-                <a16:creationId xmlns:a16="http://schemas.microsoft.com/office/drawing/2014/main" id="{52DCCFD3-2EC6-48F6-B017-B6E575B1C165}"/>
-              </a:ext>
-            </a:extLst>
-          </p:cNvPr>
-          <p:cNvSpPr/>
-          <p:nvPr/>
-        </p:nvSpPr>
-        <p:spPr>
-          <a:xfrm>
-            <a:off x="800800" y="3997767"/>
-            <a:ext cx="2252793" cy="375261"/>
-          </a:xfrm>
-          <a:prstGeom prst="roundRect">
-            <a:avLst/>
-          </a:prstGeom>
-          <a:noFill/>
-          <a:ln>
-            <a:solidFill>
-              <a:srgbClr val="FF0000"/>
-            </a:solidFill>
-          </a:ln>
-        </p:spPr>
-        <p:style>
-          <a:lnRef idx="2">
-            <a:schemeClr val="accent1">
-              <a:shade val="50000"/>
-            </a:schemeClr>
-          </a:lnRef>
-          <a:fillRef idx="1">
-            <a:schemeClr val="accent1"/>
-          </a:fillRef>
-          <a:effectRef idx="0">
-            <a:schemeClr val="accent1"/>
-          </a:effectRef>
-          <a:fontRef idx="minor">
-            <a:schemeClr val="lt1"/>
-          </a:fontRef>
-        </p:style>
-        <p:txBody>
-          <a:bodyPr rtlCol="0" anchor="ctr"/>
-          <a:lstStyle/>
-          <a:p>
-            <a:pPr algn="ctr"/>
-            <a:endParaRPr lang="en-US"/>
-          </a:p>
-        </p:txBody>
-      </p:sp>
-      <p:sp>
-        <p:nvSpPr>
-          <p:cNvPr id="13" name="TextBox 12">
-            <a:extLst>
-              <a:ext uri="{FF2B5EF4-FFF2-40B4-BE49-F238E27FC236}">
-                <a16:creationId xmlns:a16="http://schemas.microsoft.com/office/drawing/2014/main" id="{3963803D-1214-4519-BBA7-13AC81ABAF06}"/>
+          <p:cNvPr id="19" name="TextBox 18">
+            <a:extLst>
+              <a:ext uri="{FF2B5EF4-FFF2-40B4-BE49-F238E27FC236}">
+                <a16:creationId xmlns:a16="http://schemas.microsoft.com/office/drawing/2014/main" id="{2DEBF94B-C078-467C-A205-AEC01264498B}"/>
               </a:ext>
             </a:extLst>
           </p:cNvPr>
@@ -5599,8 +5879,8 @@
         </p:nvSpPr>
         <p:spPr>
           <a:xfrm>
-            <a:off x="3429000" y="4029324"/>
-            <a:ext cx="2252793" cy="646331"/>
+            <a:off x="8877997" y="5158617"/>
+            <a:ext cx="2903639" cy="1477328"/>
           </a:xfrm>
           <a:prstGeom prst="rect">
             <a:avLst/>
@@ -5619,59 +5899,17 @@
                   <a:srgbClr val="FFFF00"/>
                 </a:highlight>
               </a:rPr>
-              <a:t>The 95% CI doesn’t contain 0</a:t>
-            </a:r>
-          </a:p>
-        </p:txBody>
-      </p:sp>
-      <p:cxnSp>
-        <p:nvCxnSpPr>
-          <p:cNvPr id="15" name="Straight Arrow Connector 14">
-            <a:extLst>
-              <a:ext uri="{FF2B5EF4-FFF2-40B4-BE49-F238E27FC236}">
-                <a16:creationId xmlns:a16="http://schemas.microsoft.com/office/drawing/2014/main" id="{21E558C2-AE22-4233-92E8-CA286672A723}"/>
-              </a:ext>
-            </a:extLst>
-          </p:cNvPr>
-          <p:cNvCxnSpPr>
-            <a:cxnSpLocks/>
-            <a:stCxn id="13" idx="1"/>
-          </p:cNvCxnSpPr>
-          <p:nvPr/>
-        </p:nvCxnSpPr>
-        <p:spPr>
-          <a:xfrm flipH="1" flipV="1">
-            <a:off x="3090994" y="4063790"/>
-            <a:ext cx="338006" cy="288700"/>
-          </a:xfrm>
-          <a:prstGeom prst="straightConnector1">
-            <a:avLst/>
-          </a:prstGeom>
-          <a:ln>
-            <a:tailEnd type="triangle"/>
-          </a:ln>
-        </p:spPr>
-        <p:style>
-          <a:lnRef idx="1">
-            <a:schemeClr val="accent1"/>
-          </a:lnRef>
-          <a:fillRef idx="0">
-            <a:schemeClr val="accent1"/>
-          </a:fillRef>
-          <a:effectRef idx="0">
-            <a:schemeClr val="accent1"/>
-          </a:effectRef>
-          <a:fontRef idx="minor">
-            <a:schemeClr val="tx1"/>
-          </a:fontRef>
-        </p:style>
-      </p:cxnSp>
-      <p:sp>
-        <p:nvSpPr>
-          <p:cNvPr id="17" name="TextBox 16">
-            <a:extLst>
-              <a:ext uri="{FF2B5EF4-FFF2-40B4-BE49-F238E27FC236}">
-                <a16:creationId xmlns:a16="http://schemas.microsoft.com/office/drawing/2014/main" id="{492F993B-D0FE-4FEC-A346-D081A367168A}"/>
+              <a:t>Because of the large difference in rates between smokers and non-smokers and the big sample, post-hoc power = 100%. </a:t>
+            </a:r>
+          </a:p>
+        </p:txBody>
+      </p:sp>
+      <p:sp>
+        <p:nvSpPr>
+          <p:cNvPr id="5" name="TextBox 4">
+            <a:extLst>
+              <a:ext uri="{FF2B5EF4-FFF2-40B4-BE49-F238E27FC236}">
+                <a16:creationId xmlns:a16="http://schemas.microsoft.com/office/drawing/2014/main" id="{EE0DD4F4-54D8-469D-85EF-1A25C8C518B5}"/>
               </a:ext>
             </a:extLst>
           </p:cNvPr>
@@ -5680,8 +5918,8 @@
         </p:nvSpPr>
         <p:spPr>
           <a:xfrm>
-            <a:off x="4425219" y="3466619"/>
-            <a:ext cx="1656342" cy="369332"/>
+            <a:off x="1166070" y="3036333"/>
+            <a:ext cx="3506598" cy="1200329"/>
           </a:xfrm>
           <a:prstGeom prst="rect">
             <a:avLst/>
@@ -5695,61 +5933,18 @@
           <a:lstStyle/>
           <a:p>
             <a:r>
-              <a:rPr lang="en-US" dirty="0">
-                <a:highlight>
-                  <a:srgbClr val="FFFF00"/>
-                </a:highlight>
-              </a:rPr>
-              <a:t>Very significant</a:t>
-            </a:r>
-          </a:p>
-        </p:txBody>
-      </p:sp>
-      <p:cxnSp>
-        <p:nvCxnSpPr>
-          <p:cNvPr id="19" name="Straight Arrow Connector 18">
-            <a:extLst>
-              <a:ext uri="{FF2B5EF4-FFF2-40B4-BE49-F238E27FC236}">
-                <a16:creationId xmlns:a16="http://schemas.microsoft.com/office/drawing/2014/main" id="{8FEFC8D4-30EA-40A5-AD0A-8ED88E102D72}"/>
-              </a:ext>
-            </a:extLst>
-          </p:cNvPr>
-          <p:cNvCxnSpPr/>
-          <p:nvPr/>
-        </p:nvCxnSpPr>
-        <p:spPr>
-          <a:xfrm flipH="1">
-            <a:off x="3842158" y="3517872"/>
-            <a:ext cx="459538" cy="116743"/>
-          </a:xfrm>
-          <a:prstGeom prst="straightConnector1">
-            <a:avLst/>
-          </a:prstGeom>
-          <a:ln>
-            <a:tailEnd type="triangle"/>
-          </a:ln>
-        </p:spPr>
-        <p:style>
-          <a:lnRef idx="1">
-            <a:schemeClr val="accent1"/>
-          </a:lnRef>
-          <a:fillRef idx="0">
-            <a:schemeClr val="accent1"/>
-          </a:fillRef>
-          <a:effectRef idx="0">
-            <a:schemeClr val="accent1"/>
-          </a:effectRef>
-          <a:fontRef idx="minor">
-            <a:schemeClr val="tx1"/>
-          </a:fontRef>
-        </p:style>
-      </p:cxnSp>
-      <p:sp>
-        <p:nvSpPr>
-          <p:cNvPr id="20" name="TextBox 19">
-            <a:extLst>
-              <a:ext uri="{FF2B5EF4-FFF2-40B4-BE49-F238E27FC236}">
-                <a16:creationId xmlns:a16="http://schemas.microsoft.com/office/drawing/2014/main" id="{47C9A2B4-6F1A-4BBD-A36A-371D8A4507EB}"/>
+              <a:rPr lang="en-US" dirty="0"/>
+              <a:t>There is a significant (p &lt; 0.001) and positive correlation between lung cancer and levels of cigarettes smoked per day.</a:t>
+            </a:r>
+          </a:p>
+        </p:txBody>
+      </p:sp>
+      <p:sp>
+        <p:nvSpPr>
+          <p:cNvPr id="21" name="TextBox 20">
+            <a:extLst>
+              <a:ext uri="{FF2B5EF4-FFF2-40B4-BE49-F238E27FC236}">
+                <a16:creationId xmlns:a16="http://schemas.microsoft.com/office/drawing/2014/main" id="{67AFD51F-45C3-453E-9E8A-AFF090D3B5C2}"/>
               </a:ext>
             </a:extLst>
           </p:cNvPr>
@@ -5758,8 +5953,8 @@
         </p:nvSpPr>
         <p:spPr>
           <a:xfrm>
-            <a:off x="1512120" y="3299761"/>
-            <a:ext cx="1361221" cy="369332"/>
+            <a:off x="2919369" y="4841440"/>
+            <a:ext cx="2801341" cy="369332"/>
           </a:xfrm>
           <a:prstGeom prst="rect">
             <a:avLst/>
@@ -5773,22 +5968,18 @@
           <a:lstStyle/>
           <a:p>
             <a:r>
-              <a:rPr lang="en-US" dirty="0">
-                <a:highlight>
-                  <a:srgbClr val="FFFF00"/>
-                </a:highlight>
-              </a:rPr>
-              <a:t>Test statistic</a:t>
-            </a:r>
-          </a:p>
-        </p:txBody>
-      </p:sp>
-      <p:sp>
-        <p:nvSpPr>
-          <p:cNvPr id="21" name="TextBox 20">
-            <a:extLst>
-              <a:ext uri="{FF2B5EF4-FFF2-40B4-BE49-F238E27FC236}">
-                <a16:creationId xmlns:a16="http://schemas.microsoft.com/office/drawing/2014/main" id="{A5448266-A3A0-4459-A196-ED65F9F86AC2}"/>
+              <a:rPr lang="en-US" dirty="0"/>
+              <a:t>Levels range from 0 to 50+</a:t>
+            </a:r>
+          </a:p>
+        </p:txBody>
+      </p:sp>
+      <p:sp>
+        <p:nvSpPr>
+          <p:cNvPr id="22" name="TextBox 21">
+            <a:extLst>
+              <a:ext uri="{FF2B5EF4-FFF2-40B4-BE49-F238E27FC236}">
+                <a16:creationId xmlns:a16="http://schemas.microsoft.com/office/drawing/2014/main" id="{12370475-055A-4A1A-99AC-5DFF2328C626}"/>
               </a:ext>
             </a:extLst>
           </p:cNvPr>
@@ -5797,8 +5988,8 @@
         </p:nvSpPr>
         <p:spPr>
           <a:xfrm>
-            <a:off x="922788" y="5037460"/>
-            <a:ext cx="4613946" cy="646331"/>
+            <a:off x="7827671" y="1281185"/>
+            <a:ext cx="1607452" cy="369332"/>
           </a:xfrm>
           <a:prstGeom prst="rect">
             <a:avLst/>
@@ -5812,101 +6003,12 @@
           <a:lstStyle/>
           <a:p>
             <a:r>
-              <a:rPr lang="en-US" dirty="0"/>
-              <a:t>26% of non-smokers had lung cancer (n= 21).</a:t>
-            </a:r>
-          </a:p>
-          <a:p>
-            <a:r>
-              <a:rPr lang="en-US" dirty="0"/>
-              <a:t>51% of smokers had lung cancer (n= 588).</a:t>
-            </a:r>
-          </a:p>
-        </p:txBody>
-      </p:sp>
-      <p:sp>
-        <p:nvSpPr>
-          <p:cNvPr id="23" name="Rectangle: Rounded Corners 22">
-            <a:extLst>
-              <a:ext uri="{FF2B5EF4-FFF2-40B4-BE49-F238E27FC236}">
-                <a16:creationId xmlns:a16="http://schemas.microsoft.com/office/drawing/2014/main" id="{5C20DF62-64E3-4C58-B733-10AFFAE43BAB}"/>
-              </a:ext>
-            </a:extLst>
-          </p:cNvPr>
-          <p:cNvSpPr/>
-          <p:nvPr/>
-        </p:nvSpPr>
-        <p:spPr>
-          <a:xfrm>
-            <a:off x="7237602" y="4177736"/>
-            <a:ext cx="929779" cy="201336"/>
-          </a:xfrm>
-          <a:prstGeom prst="roundRect">
-            <a:avLst/>
-          </a:prstGeom>
-          <a:noFill/>
-          <a:ln>
-            <a:solidFill>
-              <a:srgbClr val="FF0000"/>
-            </a:solidFill>
-          </a:ln>
-        </p:spPr>
-        <p:style>
-          <a:lnRef idx="2">
-            <a:schemeClr val="accent1">
-              <a:shade val="50000"/>
-            </a:schemeClr>
-          </a:lnRef>
-          <a:fillRef idx="1">
-            <a:schemeClr val="accent1"/>
-          </a:fillRef>
-          <a:effectRef idx="0">
-            <a:schemeClr val="accent1"/>
-          </a:effectRef>
-          <a:fontRef idx="minor">
-            <a:schemeClr val="lt1"/>
-          </a:fontRef>
-        </p:style>
-        <p:txBody>
-          <a:bodyPr rtlCol="0" anchor="ctr"/>
-          <a:lstStyle/>
-          <a:p>
-            <a:pPr algn="ctr"/>
-            <a:endParaRPr lang="en-US"/>
-          </a:p>
-        </p:txBody>
-      </p:sp>
-      <p:sp>
-        <p:nvSpPr>
-          <p:cNvPr id="24" name="TextBox 23">
-            <a:extLst>
-              <a:ext uri="{FF2B5EF4-FFF2-40B4-BE49-F238E27FC236}">
-                <a16:creationId xmlns:a16="http://schemas.microsoft.com/office/drawing/2014/main" id="{98BD975D-B8E8-4297-9B8A-DDDDF787E39E}"/>
-              </a:ext>
-            </a:extLst>
-          </p:cNvPr>
-          <p:cNvSpPr txBox="1"/>
-          <p:nvPr/>
-        </p:nvSpPr>
-        <p:spPr>
-          <a:xfrm>
-            <a:off x="6536421" y="5078073"/>
-            <a:ext cx="5426280" cy="1754326"/>
-          </a:xfrm>
-          <a:prstGeom prst="rect">
-            <a:avLst/>
-          </a:prstGeom>
-          <a:noFill/>
-        </p:spPr>
-        <p:txBody>
-          <a:bodyPr wrap="square" rtlCol="0">
-            <a:spAutoFit/>
-          </a:bodyPr>
-          <a:lstStyle/>
-          <a:p>
-            <a:r>
-              <a:rPr lang="en-US" dirty="0"/>
-              <a:t>Because of the large difference in rates between smokers and non-smokers and the big sample, power=100%. It is important to note that this is a post-hoc power analysis, a PA should be done prior to the study start. However, this distribution test revealed important results in public health.</a:t>
+              <a:rPr lang="en-US" dirty="0">
+                <a:highlight>
+                  <a:srgbClr val="00FFFF"/>
+                </a:highlight>
+              </a:rPr>
+              <a:t>Proportion test</a:t>
             </a:r>
           </a:p>
         </p:txBody>
@@ -5914,7 +6016,7 @@
     </p:spTree>
     <p:extLst>
       <p:ext uri="{BB962C8B-B14F-4D97-AF65-F5344CB8AC3E}">
-        <p14:creationId xmlns:p14="http://schemas.microsoft.com/office/powerpoint/2010/main" val="1238686576"/>
+        <p14:creationId xmlns:p14="http://schemas.microsoft.com/office/powerpoint/2010/main" val="1443783038"/>
       </p:ext>
     </p:extLst>
   </p:cSld>

--- a/Stats Course Week 4.pptx
+++ b/Stats Course Week 4.pptx
@@ -272,7 +272,7 @@
           <a:p>
             <a:fld id="{A5AB515C-D570-4DC1-AC33-A1C6FAAF56DB}" type="datetimeFigureOut">
               <a:rPr lang="en-US" smtClean="0"/>
-              <a:t>10/24/2021</a:t>
+              <a:t>10/28/2021</a:t>
             </a:fld>
             <a:endParaRPr lang="en-US"/>
           </a:p>
@@ -470,7 +470,7 @@
           <a:p>
             <a:fld id="{A5AB515C-D570-4DC1-AC33-A1C6FAAF56DB}" type="datetimeFigureOut">
               <a:rPr lang="en-US" smtClean="0"/>
-              <a:t>10/24/2021</a:t>
+              <a:t>10/28/2021</a:t>
             </a:fld>
             <a:endParaRPr lang="en-US"/>
           </a:p>
@@ -678,7 +678,7 @@
           <a:p>
             <a:fld id="{A5AB515C-D570-4DC1-AC33-A1C6FAAF56DB}" type="datetimeFigureOut">
               <a:rPr lang="en-US" smtClean="0"/>
-              <a:t>10/24/2021</a:t>
+              <a:t>10/28/2021</a:t>
             </a:fld>
             <a:endParaRPr lang="en-US"/>
           </a:p>
@@ -876,7 +876,7 @@
           <a:p>
             <a:fld id="{A5AB515C-D570-4DC1-AC33-A1C6FAAF56DB}" type="datetimeFigureOut">
               <a:rPr lang="en-US" smtClean="0"/>
-              <a:t>10/24/2021</a:t>
+              <a:t>10/28/2021</a:t>
             </a:fld>
             <a:endParaRPr lang="en-US"/>
           </a:p>
@@ -1151,7 +1151,7 @@
           <a:p>
             <a:fld id="{A5AB515C-D570-4DC1-AC33-A1C6FAAF56DB}" type="datetimeFigureOut">
               <a:rPr lang="en-US" smtClean="0"/>
-              <a:t>10/24/2021</a:t>
+              <a:t>10/28/2021</a:t>
             </a:fld>
             <a:endParaRPr lang="en-US"/>
           </a:p>
@@ -1416,7 +1416,7 @@
           <a:p>
             <a:fld id="{A5AB515C-D570-4DC1-AC33-A1C6FAAF56DB}" type="datetimeFigureOut">
               <a:rPr lang="en-US" smtClean="0"/>
-              <a:t>10/24/2021</a:t>
+              <a:t>10/28/2021</a:t>
             </a:fld>
             <a:endParaRPr lang="en-US"/>
           </a:p>
@@ -1828,7 +1828,7 @@
           <a:p>
             <a:fld id="{A5AB515C-D570-4DC1-AC33-A1C6FAAF56DB}" type="datetimeFigureOut">
               <a:rPr lang="en-US" smtClean="0"/>
-              <a:t>10/24/2021</a:t>
+              <a:t>10/28/2021</a:t>
             </a:fld>
             <a:endParaRPr lang="en-US"/>
           </a:p>
@@ -1969,7 +1969,7 @@
           <a:p>
             <a:fld id="{A5AB515C-D570-4DC1-AC33-A1C6FAAF56DB}" type="datetimeFigureOut">
               <a:rPr lang="en-US" smtClean="0"/>
-              <a:t>10/24/2021</a:t>
+              <a:t>10/28/2021</a:t>
             </a:fld>
             <a:endParaRPr lang="en-US"/>
           </a:p>
@@ -2082,7 +2082,7 @@
           <a:p>
             <a:fld id="{A5AB515C-D570-4DC1-AC33-A1C6FAAF56DB}" type="datetimeFigureOut">
               <a:rPr lang="en-US" smtClean="0"/>
-              <a:t>10/24/2021</a:t>
+              <a:t>10/28/2021</a:t>
             </a:fld>
             <a:endParaRPr lang="en-US"/>
           </a:p>
@@ -2393,7 +2393,7 @@
           <a:p>
             <a:fld id="{A5AB515C-D570-4DC1-AC33-A1C6FAAF56DB}" type="datetimeFigureOut">
               <a:rPr lang="en-US" smtClean="0"/>
-              <a:t>10/24/2021</a:t>
+              <a:t>10/28/2021</a:t>
             </a:fld>
             <a:endParaRPr lang="en-US"/>
           </a:p>
@@ -2681,7 +2681,7 @@
           <a:p>
             <a:fld id="{A5AB515C-D570-4DC1-AC33-A1C6FAAF56DB}" type="datetimeFigureOut">
               <a:rPr lang="en-US" smtClean="0"/>
-              <a:t>10/24/2021</a:t>
+              <a:t>10/28/2021</a:t>
             </a:fld>
             <a:endParaRPr lang="en-US"/>
           </a:p>
@@ -2922,7 +2922,7 @@
           <a:p>
             <a:fld id="{A5AB515C-D570-4DC1-AC33-A1C6FAAF56DB}" type="datetimeFigureOut">
               <a:rPr lang="en-US" smtClean="0"/>
-              <a:t>10/24/2021</a:t>
+              <a:t>10/28/2021</a:t>
             </a:fld>
             <a:endParaRPr lang="en-US"/>
           </a:p>
@@ -3553,7 +3553,7 @@
           <a:p>
             <a:r>
               <a:rPr lang="en-US" dirty="0"/>
-              <a:t>Miles-per-gallon: Automatic and manual transmission</a:t>
+              <a:t>t-test on miles-per-gallon: Automatic vs. manual transmission</a:t>
             </a:r>
           </a:p>
         </p:txBody>
@@ -4117,7 +4117,7 @@
                   <a:srgbClr val="FFFF00"/>
                 </a:highlight>
               </a:rPr>
-              <a:t>Significant at the p &lt; 0.05 level.</a:t>
+              <a:t>Significant at the p &lt; 0.01 level.</a:t>
             </a:r>
           </a:p>
         </p:txBody>
@@ -4216,7 +4216,7 @@
           <a:p>
             <a:r>
               <a:rPr lang="en-US" dirty="0"/>
-              <a:t>Daily covid deaths in CA and NY (2020-2021)</a:t>
+              <a:t>t-test: Daily covid deaths in CA and NY (2020-2021)</a:t>
             </a:r>
           </a:p>
         </p:txBody>
@@ -5189,7 +5189,7 @@
         <p:spPr>
           <a:xfrm>
             <a:off x="3607266" y="5674126"/>
-            <a:ext cx="4832059" cy="923330"/>
+            <a:ext cx="4832059" cy="1200329"/>
           </a:xfrm>
           <a:prstGeom prst="rect">
             <a:avLst/>
@@ -5208,7 +5208,17 @@
                   <a:srgbClr val="FFFF00"/>
                 </a:highlight>
               </a:rPr>
-              <a:t>Time is important in understanding differences in average daily covid death rates. CA and NY had significantly alternating levels over time.</a:t>
+              <a:t>Time is important in understanding differences in average daily covid death rates. CA and NY had significantly alternating levels over time. </a:t>
+            </a:r>
+          </a:p>
+          <a:p>
+            <a:r>
+              <a:rPr lang="en-US" dirty="0">
+                <a:highlight>
+                  <a:srgbClr val="FFFF00"/>
+                </a:highlight>
+              </a:rPr>
+              <a:t>2020 and 2021 paint different pictures.</a:t>
             </a:r>
           </a:p>
         </p:txBody>
@@ -5266,7 +5276,7 @@
           <a:p>
             <a:r>
               <a:rPr lang="en-US" dirty="0"/>
-              <a:t>1950 Smoking and lung cancer study (Doll &amp; Hill)</a:t>
+              <a:t>Binomial proportion test: 1950 Smoking and lung cancer study (Doll &amp; Hill)</a:t>
             </a:r>
           </a:p>
         </p:txBody>
@@ -9905,7 +9915,7 @@
           <a:p>
             <a:r>
               <a:rPr lang="en-US" dirty="0"/>
-              <a:t>For example, we conduct an experiment and find that Treatment B is better than A and has a power level of 0.80. If we conduct the same experiment 100 times, we would expect to see significant results in about 80 of the 100 trials.</a:t>
+              <a:t>For example, we conduct an experiment and find that Treatment B is better than Treatment A and has a power level of 0.80. If we conduct the same experiment 100 times, we would expect to see significant results in about 80 of the 100 trials.</a:t>
             </a:r>
           </a:p>
           <a:p>
@@ -10267,7 +10277,7 @@
             </a:pPr>
             <a:r>
               <a:rPr lang="en-US" dirty="0"/>
-              <a:t>Lower alpha levels </a:t>
+              <a:t>Higher alpha levels </a:t>
             </a:r>
           </a:p>
         </p:txBody>
